--- a/resources/Мультимедийная презентация.pptx
+++ b/resources/Мультимедийная презентация.pptx
@@ -23,12 +23,17 @@
     <p:sldId id="270" r:id="rId17"/>
     <p:sldId id="271" r:id="rId18"/>
     <p:sldId id="272" r:id="rId19"/>
-    <p:sldId id="273" r:id="rId20"/>
-    <p:sldId id="274" r:id="rId21"/>
-    <p:sldId id="275" r:id="rId22"/>
-    <p:sldId id="276" r:id="rId23"/>
-    <p:sldId id="277" r:id="rId24"/>
-    <p:sldId id="278" r:id="rId25"/>
+    <p:sldId id="280" r:id="rId20"/>
+    <p:sldId id="281" r:id="rId21"/>
+    <p:sldId id="282" r:id="rId22"/>
+    <p:sldId id="283" r:id="rId23"/>
+    <p:sldId id="284" r:id="rId24"/>
+    <p:sldId id="273" r:id="rId25"/>
+    <p:sldId id="274" r:id="rId26"/>
+    <p:sldId id="275" r:id="rId27"/>
+    <p:sldId id="276" r:id="rId28"/>
+    <p:sldId id="277" r:id="rId29"/>
+    <p:sldId id="278" r:id="rId30"/>
   </p:sldIdLst>
   <p:sldSz cx="12192000" cy="6858000"/>
   <p:notesSz cx="6858000" cy="9144000"/>
@@ -127,6 +132,11 @@
       </a:defRPr>
     </a:lvl9pPr>
   </p:defaultTextStyle>
+  <p:extLst>
+    <p:ext uri="{EFAFB233-063F-42B5-8137-9DF3F51BA10A}">
+      <p15:sldGuideLst xmlns:p15="http://schemas.microsoft.com/office/powerpoint/2012/main"/>
+    </p:ext>
+  </p:extLst>
 </p:presentation>
 </file>
 
@@ -3362,8 +3372,8 @@
         </p:nvSpPr>
         <p:spPr>
           <a:xfrm>
-            <a:off x="132081" y="134134"/>
-            <a:ext cx="11927840" cy="661696"/>
+            <a:off x="145483" y="134134"/>
+            <a:ext cx="11901034" cy="661696"/>
           </a:xfrm>
         </p:spPr>
         <p:txBody>
@@ -3373,21 +3383,21 @@
           <a:lstStyle/>
           <a:p>
             <a:r>
-              <a:rPr lang="ru-RU" sz="3600" dirty="0">
+              <a:rPr lang="ru-RU" sz="3000" dirty="0">
                 <a:latin typeface="Times New Roman" panose="02020603050405020304" pitchFamily="18" charset="0"/>
                 <a:cs typeface="Times New Roman" panose="02020603050405020304" pitchFamily="18" charset="0"/>
               </a:rPr>
               <a:t>FDB-</a:t>
             </a:r>
             <a:r>
-              <a:rPr lang="ru-RU" sz="3600" dirty="0" err="1">
+              <a:rPr lang="ru-RU" sz="3000" dirty="0" err="1">
                 <a:latin typeface="Times New Roman" panose="02020603050405020304" pitchFamily="18" charset="0"/>
                 <a:cs typeface="Times New Roman" panose="02020603050405020304" pitchFamily="18" charset="0"/>
               </a:rPr>
               <a:t>ar</a:t>
             </a:r>
             <a:r>
-              <a:rPr lang="ru-RU" sz="3600" dirty="0">
+              <a:rPr lang="ru-RU" sz="3000" dirty="0">
                 <a:latin typeface="Times New Roman" panose="02020603050405020304" pitchFamily="18" charset="0"/>
                 <a:cs typeface="Times New Roman" panose="02020603050405020304" pitchFamily="18" charset="0"/>
               </a:rPr>
@@ -3414,8 +3424,8 @@
         </p:nvSpPr>
         <p:spPr>
           <a:xfrm>
-            <a:off x="254540" y="937746"/>
-            <a:ext cx="7965331" cy="5786120"/>
+            <a:off x="254539" y="937746"/>
+            <a:ext cx="8062610" cy="5786120"/>
           </a:xfrm>
         </p:spPr>
         <p:txBody>
@@ -3433,7 +3443,7 @@
               </a:spcBef>
             </a:pPr>
             <a:r>
-              <a:rPr lang="ru-RU" sz="2200" dirty="0"/>
+              <a:rPr lang="ru-RU" sz="2000" dirty="0"/>
               <a:t>Государственное бюджетное общеобразовательное учреждение города Москвы «Школа № 2098 «Многопрофильный образовательный центр» имени Героя Советского Союза Л.М. Доватора»</a:t>
             </a:r>
           </a:p>
@@ -3447,7 +3457,7 @@
               </a:spcBef>
             </a:pPr>
             <a:r>
-              <a:rPr lang="ru-RU" sz="2200" dirty="0"/>
+              <a:rPr lang="ru-RU" sz="2000" dirty="0"/>
               <a:t>Выполнил: Бардин Константин Алексеевич</a:t>
             </a:r>
           </a:p>
@@ -3461,7 +3471,7 @@
               </a:spcBef>
             </a:pPr>
             <a:r>
-              <a:rPr lang="ru-RU" sz="2200" dirty="0"/>
+              <a:rPr lang="ru-RU" sz="2000" dirty="0"/>
               <a:t>Ученик 10”Т” класса ГБОУ Школы № 2098 имени Героя Советского Союза Л.М. Доватора</a:t>
             </a:r>
           </a:p>
@@ -3475,7 +3485,7 @@
               </a:spcBef>
             </a:pPr>
             <a:r>
-              <a:rPr lang="ru-RU" sz="2200" dirty="0"/>
+              <a:rPr lang="ru-RU" sz="2000" dirty="0"/>
               <a:t>Научный руководитель: Гоптарь Евгений Андреевич</a:t>
             </a:r>
           </a:p>
@@ -3489,7 +3499,7 @@
               </a:spcBef>
             </a:pPr>
             <a:r>
-              <a:rPr lang="ru-RU" sz="2200" dirty="0"/>
+              <a:rPr lang="ru-RU" sz="2000" dirty="0"/>
               <a:t>Учитель информатики ГБОУ Школы № 2098 имени Героя Советского Союза Л.М. Доватора</a:t>
             </a:r>
           </a:p>
@@ -3503,7 +3513,35 @@
               </a:spcBef>
             </a:pPr>
             <a:r>
-              <a:rPr lang="ru-RU" sz="2200" dirty="0"/>
+              <a:rPr lang="ru-RU" sz="2000" dirty="0"/>
+              <a:t>Индустриальный руководитель: Урядинский Руслан Олегович</a:t>
+            </a:r>
+          </a:p>
+          <a:p>
+            <a:pPr>
+              <a:lnSpc>
+                <a:spcPct val="150000"/>
+              </a:lnSpc>
+              <a:spcBef>
+                <a:spcPts val="200"/>
+              </a:spcBef>
+            </a:pPr>
+            <a:r>
+              <a:rPr lang="ru-RU" sz="2000" dirty="0"/>
+              <a:t>ООО "ПОЛДЕНЬ. 21-Й ВЕК"</a:t>
+            </a:r>
+          </a:p>
+          <a:p>
+            <a:pPr>
+              <a:lnSpc>
+                <a:spcPct val="150000"/>
+              </a:lnSpc>
+              <a:spcBef>
+                <a:spcPts val="200"/>
+              </a:spcBef>
+            </a:pPr>
+            <a:r>
+              <a:rPr lang="ru-RU" sz="2000" dirty="0"/>
               <a:t>Москва, 2024 год</a:t>
             </a:r>
           </a:p>
@@ -3531,8 +3569,8 @@
         </p:blipFill>
         <p:spPr>
           <a:xfrm>
-            <a:off x="8407998" y="1485359"/>
-            <a:ext cx="3529462" cy="4690894"/>
+            <a:off x="8507702" y="937746"/>
+            <a:ext cx="3538815" cy="4703325"/>
           </a:xfrm>
           <a:prstGeom prst="rect">
             <a:avLst/>
@@ -5141,6 +5179,24 @@
               <a:t>Я ожидаю, что внедрение нового веб-сайта с функционалом учета и контроля товаров на складе значительно упростит процессы управления материалами и сократит время, затрачиваемое на заказ и учет товаров. В мои планы входит обучение персонала компании перед использованием новой системы, а также её регулярное обновление при наличии изменений ассортимента и потребностей компании.</a:t>
             </a:r>
           </a:p>
+          <a:p>
+            <a:pPr marL="0" indent="0" algn="just">
+              <a:lnSpc>
+                <a:spcPct val="150000"/>
+              </a:lnSpc>
+              <a:spcBef>
+                <a:spcPts val="200"/>
+              </a:spcBef>
+              <a:buNone/>
+            </a:pPr>
+            <a:r>
+              <a:rPr lang="ru-RU" dirty="0">
+                <a:latin typeface="Times New Roman" panose="02020603050405020304" pitchFamily="18" charset="0"/>
+                <a:cs typeface="Times New Roman" panose="02020603050405020304" pitchFamily="18" charset="0"/>
+              </a:rPr>
+              <a:t>На следующих слайдах я представил несколько скриншотов сайта и то, как он работает.</a:t>
+            </a:r>
+          </a:p>
         </p:txBody>
       </p:sp>
     </p:spTree>
@@ -5173,85 +5229,299 @@
           <a:chExt cx="0" cy="0"/>
         </a:xfrm>
       </p:grpSpPr>
-      <p:sp>
-        <p:nvSpPr>
-          <p:cNvPr id="2" name="Заголовок 1">
-            <a:extLst>
-              <a:ext uri="{FF2B5EF4-FFF2-40B4-BE49-F238E27FC236}">
-                <a16:creationId xmlns:a16="http://schemas.microsoft.com/office/drawing/2014/main" id="{DFDDFB39-5B70-4855-8A0B-B0497437314A}"/>
-              </a:ext>
-            </a:extLst>
-          </p:cNvPr>
-          <p:cNvSpPr>
-            <a:spLocks noGrp="1"/>
-          </p:cNvSpPr>
-          <p:nvPr>
-            <p:ph type="title"/>
-          </p:nvPr>
-        </p:nvSpPr>
-        <p:spPr>
-          <a:xfrm>
-            <a:off x="231494" y="260954"/>
-            <a:ext cx="11729012" cy="803918"/>
-          </a:xfrm>
-        </p:spPr>
-        <p:txBody>
-          <a:bodyPr>
-            <a:normAutofit/>
+      <p:pic>
+        <p:nvPicPr>
+          <p:cNvPr id="3" name="Рисунок 2">
+            <a:extLst>
+              <a:ext uri="{FF2B5EF4-FFF2-40B4-BE49-F238E27FC236}">
+                <a16:creationId xmlns:a16="http://schemas.microsoft.com/office/drawing/2014/main" id="{593EBEEE-C417-4519-AEFD-D3E752A5BB56}"/>
+              </a:ext>
+            </a:extLst>
+          </p:cNvPr>
+          <p:cNvPicPr>
+            <a:picLocks noChangeAspect="1"/>
+          </p:cNvPicPr>
+          <p:nvPr/>
+        </p:nvPicPr>
+        <p:blipFill>
+          <a:blip r:embed="rId2"/>
+          <a:stretch>
+            <a:fillRect/>
+          </a:stretch>
+        </p:blipFill>
+        <p:spPr>
+          <a:xfrm>
+            <a:off x="690665" y="84522"/>
+            <a:ext cx="4911386" cy="2762655"/>
+          </a:xfrm>
+          <a:prstGeom prst="rect">
+            <a:avLst/>
+          </a:prstGeom>
+        </p:spPr>
+      </p:pic>
+      <p:sp>
+        <p:nvSpPr>
+          <p:cNvPr id="5" name="TextBox 4">
+            <a:extLst>
+              <a:ext uri="{FF2B5EF4-FFF2-40B4-BE49-F238E27FC236}">
+                <a16:creationId xmlns:a16="http://schemas.microsoft.com/office/drawing/2014/main" id="{64AB1B86-22C8-4FE5-9EB8-7298CDDA4051}"/>
+              </a:ext>
+            </a:extLst>
+          </p:cNvPr>
+          <p:cNvSpPr txBox="1"/>
+          <p:nvPr/>
+        </p:nvSpPr>
+        <p:spPr>
+          <a:xfrm>
+            <a:off x="680937" y="2837450"/>
+            <a:ext cx="4911386" cy="461665"/>
+          </a:xfrm>
+          <a:prstGeom prst="rect">
+            <a:avLst/>
+          </a:prstGeom>
+          <a:noFill/>
+        </p:spPr>
+        <p:txBody>
+          <a:bodyPr wrap="square" rtlCol="0">
+            <a:spAutoFit/>
           </a:bodyPr>
           <a:lstStyle/>
           <a:p>
             <a:pPr algn="ctr"/>
             <a:r>
-              <a:rPr lang="ru-RU" sz="3000" dirty="0"/>
-              <a:t>7. Практическая и теоретическая значимость</a:t>
-            </a:r>
-          </a:p>
-        </p:txBody>
-      </p:sp>
-      <p:sp>
-        <p:nvSpPr>
-          <p:cNvPr id="3" name="Объект 2">
-            <a:extLst>
-              <a:ext uri="{FF2B5EF4-FFF2-40B4-BE49-F238E27FC236}">
-                <a16:creationId xmlns:a16="http://schemas.microsoft.com/office/drawing/2014/main" id="{EBECC4B8-BF51-4D45-891E-97F0B896E181}"/>
-              </a:ext>
-            </a:extLst>
-          </p:cNvPr>
-          <p:cNvSpPr>
-            <a:spLocks noGrp="1"/>
-          </p:cNvSpPr>
-          <p:nvPr>
-            <p:ph idx="1"/>
-          </p:nvPr>
-        </p:nvSpPr>
-        <p:spPr>
-          <a:xfrm>
-            <a:off x="231494" y="1365814"/>
-            <a:ext cx="11729012" cy="5231232"/>
-          </a:xfrm>
-        </p:spPr>
-        <p:txBody>
-          <a:bodyPr>
-            <a:normAutofit/>
+              <a:rPr lang="ru-RU" sz="2400" dirty="0">
+                <a:latin typeface="Times New Roman" panose="02020603050405020304" pitchFamily="18" charset="0"/>
+                <a:cs typeface="Times New Roman" panose="02020603050405020304" pitchFamily="18" charset="0"/>
+              </a:rPr>
+              <a:t>Главная страница сайта</a:t>
+            </a:r>
+          </a:p>
+        </p:txBody>
+      </p:sp>
+      <p:pic>
+        <p:nvPicPr>
+          <p:cNvPr id="7" name="Рисунок 6">
+            <a:extLst>
+              <a:ext uri="{FF2B5EF4-FFF2-40B4-BE49-F238E27FC236}">
+                <a16:creationId xmlns:a16="http://schemas.microsoft.com/office/drawing/2014/main" id="{B1056FB9-7D2D-4E20-AE9E-D8A3A6AD1898}"/>
+              </a:ext>
+            </a:extLst>
+          </p:cNvPr>
+          <p:cNvPicPr>
+            <a:picLocks noChangeAspect="1"/>
+          </p:cNvPicPr>
+          <p:nvPr/>
+        </p:nvPicPr>
+        <p:blipFill>
+          <a:blip r:embed="rId3"/>
+          <a:stretch>
+            <a:fillRect/>
+          </a:stretch>
+        </p:blipFill>
+        <p:spPr>
+          <a:xfrm>
+            <a:off x="6589951" y="94249"/>
+            <a:ext cx="4894094" cy="2752928"/>
+          </a:xfrm>
+          <a:prstGeom prst="rect">
+            <a:avLst/>
+          </a:prstGeom>
+        </p:spPr>
+      </p:pic>
+      <p:sp>
+        <p:nvSpPr>
+          <p:cNvPr id="8" name="TextBox 7">
+            <a:extLst>
+              <a:ext uri="{FF2B5EF4-FFF2-40B4-BE49-F238E27FC236}">
+                <a16:creationId xmlns:a16="http://schemas.microsoft.com/office/drawing/2014/main" id="{E9608A38-5FED-4D5C-881A-F84DEE5612AD}"/>
+              </a:ext>
+            </a:extLst>
+          </p:cNvPr>
+          <p:cNvSpPr txBox="1"/>
+          <p:nvPr/>
+        </p:nvSpPr>
+        <p:spPr>
+          <a:xfrm>
+            <a:off x="6599679" y="2837449"/>
+            <a:ext cx="4911386" cy="461665"/>
+          </a:xfrm>
+          <a:prstGeom prst="rect">
+            <a:avLst/>
+          </a:prstGeom>
+          <a:noFill/>
+        </p:spPr>
+        <p:txBody>
+          <a:bodyPr wrap="square" rtlCol="0">
+            <a:spAutoFit/>
           </a:bodyPr>
           <a:lstStyle/>
           <a:p>
-            <a:pPr marL="0" indent="0" algn="just">
-              <a:lnSpc>
-                <a:spcPct val="150000"/>
-              </a:lnSpc>
-              <a:spcBef>
-                <a:spcPts val="200"/>
-              </a:spcBef>
-              <a:buNone/>
-            </a:pPr>
-            <a:r>
-              <a:rPr lang="ru-RU" dirty="0">
-                <a:latin typeface="Times New Roman" panose="02020603050405020304" pitchFamily="18" charset="0"/>
-                <a:cs typeface="Times New Roman" panose="02020603050405020304" pitchFamily="18" charset="0"/>
-              </a:rPr>
-              <a:t>Разработка веб-сайта для учета и контроля товаров на складе представляет собой важный шаг в оптимизации процессов управления материалами. Этот проект направлен на улучшение эффективности учета и заказов товаров, что в свою очередь способствует повышению производительности и сокращению времени, затрачиваемого на административные процессы. Обучение персонала и регулярное обновление системы гарантируют, что веб-сайт будет актуален и полезен в повседневной деятельности компании.</a:t>
+            <a:pPr algn="ctr"/>
+            <a:r>
+              <a:rPr lang="ru-RU" sz="2400" dirty="0">
+                <a:latin typeface="Times New Roman" panose="02020603050405020304" pitchFamily="18" charset="0"/>
+                <a:cs typeface="Times New Roman" panose="02020603050405020304" pitchFamily="18" charset="0"/>
+              </a:rPr>
+              <a:t>Карта склада</a:t>
+            </a:r>
+          </a:p>
+        </p:txBody>
+      </p:sp>
+      <p:pic>
+        <p:nvPicPr>
+          <p:cNvPr id="10" name="Рисунок 9">
+            <a:extLst>
+              <a:ext uri="{FF2B5EF4-FFF2-40B4-BE49-F238E27FC236}">
+                <a16:creationId xmlns:a16="http://schemas.microsoft.com/office/drawing/2014/main" id="{E4A6777F-5E7C-4CC9-890A-6229D989C9DC}"/>
+              </a:ext>
+            </a:extLst>
+          </p:cNvPr>
+          <p:cNvPicPr>
+            <a:picLocks noChangeAspect="1"/>
+          </p:cNvPicPr>
+          <p:nvPr/>
+        </p:nvPicPr>
+        <p:blipFill>
+          <a:blip r:embed="rId4"/>
+          <a:stretch>
+            <a:fillRect/>
+          </a:stretch>
+        </p:blipFill>
+        <p:spPr>
+          <a:xfrm>
+            <a:off x="690665" y="3538566"/>
+            <a:ext cx="4911386" cy="2762655"/>
+          </a:xfrm>
+          <a:prstGeom prst="rect">
+            <a:avLst/>
+          </a:prstGeom>
+        </p:spPr>
+      </p:pic>
+      <p:sp>
+        <p:nvSpPr>
+          <p:cNvPr id="11" name="TextBox 10">
+            <a:extLst>
+              <a:ext uri="{FF2B5EF4-FFF2-40B4-BE49-F238E27FC236}">
+                <a16:creationId xmlns:a16="http://schemas.microsoft.com/office/drawing/2014/main" id="{86AC29B4-6E1F-4E46-8F28-9345205B0D5C}"/>
+              </a:ext>
+            </a:extLst>
+          </p:cNvPr>
+          <p:cNvSpPr txBox="1"/>
+          <p:nvPr/>
+        </p:nvSpPr>
+        <p:spPr>
+          <a:xfrm>
+            <a:off x="690665" y="6301221"/>
+            <a:ext cx="4911386" cy="461665"/>
+          </a:xfrm>
+          <a:prstGeom prst="rect">
+            <a:avLst/>
+          </a:prstGeom>
+          <a:noFill/>
+        </p:spPr>
+        <p:txBody>
+          <a:bodyPr wrap="square" rtlCol="0">
+            <a:spAutoFit/>
+          </a:bodyPr>
+          <a:lstStyle/>
+          <a:p>
+            <a:pPr algn="ctr"/>
+            <a:r>
+              <a:rPr lang="ru-RU" sz="2400" dirty="0">
+                <a:latin typeface="Times New Roman" panose="02020603050405020304" pitchFamily="18" charset="0"/>
+                <a:cs typeface="Times New Roman" panose="02020603050405020304" pitchFamily="18" charset="0"/>
+              </a:rPr>
+              <a:t>То как выглядит 1-ый стеллаж</a:t>
+            </a:r>
+          </a:p>
+        </p:txBody>
+      </p:sp>
+      <p:pic>
+        <p:nvPicPr>
+          <p:cNvPr id="13" name="Рисунок 12">
+            <a:extLst>
+              <a:ext uri="{FF2B5EF4-FFF2-40B4-BE49-F238E27FC236}">
+                <a16:creationId xmlns:a16="http://schemas.microsoft.com/office/drawing/2014/main" id="{0AFEE77E-B795-487B-A421-64245D48DFC0}"/>
+              </a:ext>
+            </a:extLst>
+          </p:cNvPr>
+          <p:cNvPicPr>
+            <a:picLocks noChangeAspect="1"/>
+          </p:cNvPicPr>
+          <p:nvPr/>
+        </p:nvPicPr>
+        <p:blipFill>
+          <a:blip r:embed="rId5"/>
+          <a:stretch>
+            <a:fillRect/>
+          </a:stretch>
+        </p:blipFill>
+        <p:spPr>
+          <a:xfrm>
+            <a:off x="6599679" y="3538566"/>
+            <a:ext cx="4911387" cy="2762655"/>
+          </a:xfrm>
+          <a:prstGeom prst="rect">
+            <a:avLst/>
+          </a:prstGeom>
+        </p:spPr>
+      </p:pic>
+      <p:sp>
+        <p:nvSpPr>
+          <p:cNvPr id="14" name="TextBox 13">
+            <a:extLst>
+              <a:ext uri="{FF2B5EF4-FFF2-40B4-BE49-F238E27FC236}">
+                <a16:creationId xmlns:a16="http://schemas.microsoft.com/office/drawing/2014/main" id="{52F74861-32F0-4587-A88C-27F316FF369A}"/>
+              </a:ext>
+            </a:extLst>
+          </p:cNvPr>
+          <p:cNvSpPr txBox="1"/>
+          <p:nvPr/>
+        </p:nvSpPr>
+        <p:spPr>
+          <a:xfrm>
+            <a:off x="6599679" y="6301221"/>
+            <a:ext cx="4911386" cy="461665"/>
+          </a:xfrm>
+          <a:prstGeom prst="rect">
+            <a:avLst/>
+          </a:prstGeom>
+          <a:noFill/>
+        </p:spPr>
+        <p:txBody>
+          <a:bodyPr wrap="square" rtlCol="0">
+            <a:spAutoFit/>
+          </a:bodyPr>
+          <a:lstStyle/>
+          <a:p>
+            <a:pPr algn="ctr"/>
+            <a:r>
+              <a:rPr lang="en-US" sz="2400" dirty="0">
+                <a:latin typeface="Times New Roman" panose="02020603050405020304" pitchFamily="18" charset="0"/>
+                <a:cs typeface="Times New Roman" panose="02020603050405020304" pitchFamily="18" charset="0"/>
+              </a:rPr>
+              <a:t>“</a:t>
+            </a:r>
+            <a:r>
+              <a:rPr lang="ru-RU" sz="2400" dirty="0">
+                <a:latin typeface="Times New Roman" panose="02020603050405020304" pitchFamily="18" charset="0"/>
+                <a:cs typeface="Times New Roman" panose="02020603050405020304" pitchFamily="18" charset="0"/>
+              </a:rPr>
+              <a:t>Внутренность</a:t>
+            </a:r>
+            <a:r>
+              <a:rPr lang="en-US" sz="2400" dirty="0">
+                <a:latin typeface="Times New Roman" panose="02020603050405020304" pitchFamily="18" charset="0"/>
+                <a:cs typeface="Times New Roman" panose="02020603050405020304" pitchFamily="18" charset="0"/>
+              </a:rPr>
+              <a:t>”</a:t>
+            </a:r>
+            <a:r>
+              <a:rPr lang="ru-RU" sz="2400" dirty="0">
+                <a:latin typeface="Times New Roman" panose="02020603050405020304" pitchFamily="18" charset="0"/>
+                <a:cs typeface="Times New Roman" panose="02020603050405020304" pitchFamily="18" charset="0"/>
+              </a:rPr>
+              <a:t> 2-ого стеллажа</a:t>
             </a:r>
           </a:p>
         </p:txBody>
@@ -5259,7 +5529,7 @@
     </p:spTree>
     <p:extLst>
       <p:ext uri="{BB962C8B-B14F-4D97-AF65-F5344CB8AC3E}">
-        <p14:creationId xmlns:p14="http://schemas.microsoft.com/office/powerpoint/2010/main" val="655033317"/>
+        <p14:creationId xmlns:p14="http://schemas.microsoft.com/office/powerpoint/2010/main" val="3527694761"/>
       </p:ext>
     </p:extLst>
   </p:cSld>
@@ -5571,121 +5841,128 @@
           <a:chExt cx="0" cy="0"/>
         </a:xfrm>
       </p:grpSpPr>
-      <p:sp>
-        <p:nvSpPr>
-          <p:cNvPr id="2" name="Заголовок 1">
-            <a:extLst>
-              <a:ext uri="{FF2B5EF4-FFF2-40B4-BE49-F238E27FC236}">
-                <a16:creationId xmlns:a16="http://schemas.microsoft.com/office/drawing/2014/main" id="{DFDDFB39-5B70-4855-8A0B-B0497437314A}"/>
-              </a:ext>
-            </a:extLst>
-          </p:cNvPr>
-          <p:cNvSpPr>
-            <a:spLocks noGrp="1"/>
-          </p:cNvSpPr>
-          <p:nvPr>
-            <p:ph type="title"/>
-          </p:nvPr>
-        </p:nvSpPr>
-        <p:spPr>
-          <a:xfrm>
-            <a:off x="231494" y="260954"/>
-            <a:ext cx="11729012" cy="803918"/>
-          </a:xfrm>
-        </p:spPr>
-        <p:txBody>
-          <a:bodyPr>
-            <a:normAutofit/>
+      <p:pic>
+        <p:nvPicPr>
+          <p:cNvPr id="3" name="Рисунок 2">
+            <a:extLst>
+              <a:ext uri="{FF2B5EF4-FFF2-40B4-BE49-F238E27FC236}">
+                <a16:creationId xmlns:a16="http://schemas.microsoft.com/office/drawing/2014/main" id="{593EBEEE-C417-4519-AEFD-D3E752A5BB56}"/>
+              </a:ext>
+            </a:extLst>
+          </p:cNvPr>
+          <p:cNvPicPr>
+            <a:picLocks noChangeAspect="1"/>
+          </p:cNvPicPr>
+          <p:nvPr/>
+        </p:nvPicPr>
+        <p:blipFill>
+          <a:blip r:embed="rId2">
+            <a:extLst>
+              <a:ext uri="{28A0092B-C50C-407E-A947-70E740481C1C}">
+                <a14:useLocalDpi xmlns:a14="http://schemas.microsoft.com/office/drawing/2010/main" val="0"/>
+              </a:ext>
+            </a:extLst>
+          </a:blip>
+          <a:srcRect/>
+          <a:stretch/>
+        </p:blipFill>
+        <p:spPr>
+          <a:xfrm>
+            <a:off x="1107548" y="1057424"/>
+            <a:ext cx="9976903" cy="5612005"/>
+          </a:xfrm>
+          <a:prstGeom prst="rect">
+            <a:avLst/>
+          </a:prstGeom>
+        </p:spPr>
+      </p:pic>
+      <p:sp>
+        <p:nvSpPr>
+          <p:cNvPr id="5" name="TextBox 4">
+            <a:extLst>
+              <a:ext uri="{FF2B5EF4-FFF2-40B4-BE49-F238E27FC236}">
+                <a16:creationId xmlns:a16="http://schemas.microsoft.com/office/drawing/2014/main" id="{64AB1B86-22C8-4FE5-9EB8-7298CDDA4051}"/>
+              </a:ext>
+            </a:extLst>
+          </p:cNvPr>
+          <p:cNvSpPr txBox="1"/>
+          <p:nvPr/>
+        </p:nvSpPr>
+        <p:spPr>
+          <a:xfrm>
+            <a:off x="193148" y="232345"/>
+            <a:ext cx="11805704" cy="461665"/>
+          </a:xfrm>
+          <a:prstGeom prst="rect">
+            <a:avLst/>
+          </a:prstGeom>
+          <a:noFill/>
+        </p:spPr>
+        <p:txBody>
+          <a:bodyPr wrap="square" rtlCol="0">
+            <a:spAutoFit/>
           </a:bodyPr>
           <a:lstStyle/>
           <a:p>
             <a:pPr algn="ctr"/>
             <a:r>
-              <a:rPr lang="ru-RU" sz="3000" dirty="0"/>
-              <a:t>7. Практическая и теоретическая значимость</a:t>
-            </a:r>
-          </a:p>
-        </p:txBody>
-      </p:sp>
-      <p:sp>
-        <p:nvSpPr>
-          <p:cNvPr id="3" name="Объект 2">
-            <a:extLst>
-              <a:ext uri="{FF2B5EF4-FFF2-40B4-BE49-F238E27FC236}">
-                <a16:creationId xmlns:a16="http://schemas.microsoft.com/office/drawing/2014/main" id="{EBECC4B8-BF51-4D45-891E-97F0B896E181}"/>
-              </a:ext>
-            </a:extLst>
-          </p:cNvPr>
-          <p:cNvSpPr>
-            <a:spLocks noGrp="1"/>
-          </p:cNvSpPr>
-          <p:nvPr>
-            <p:ph idx="1"/>
-          </p:nvPr>
-        </p:nvSpPr>
-        <p:spPr>
-          <a:xfrm>
-            <a:off x="231494" y="1365814"/>
-            <a:ext cx="11729012" cy="5231232"/>
-          </a:xfrm>
-        </p:spPr>
-        <p:txBody>
-          <a:bodyPr>
-            <a:normAutofit/>
-          </a:bodyPr>
-          <a:lstStyle/>
-          <a:p>
-            <a:pPr marL="0" indent="0" algn="just">
-              <a:lnSpc>
-                <a:spcPct val="150000"/>
-              </a:lnSpc>
-              <a:spcBef>
-                <a:spcPts val="200"/>
-              </a:spcBef>
-              <a:buNone/>
-            </a:pPr>
-            <a:r>
-              <a:rPr lang="ru-RU" dirty="0">
-                <a:latin typeface="Times New Roman" panose="02020603050405020304" pitchFamily="18" charset="0"/>
-                <a:cs typeface="Times New Roman" panose="02020603050405020304" pitchFamily="18" charset="0"/>
-              </a:rPr>
-              <a:t>С точки зрения теоретической значимости, использование гибкой методологии разработки ПО (</a:t>
-            </a:r>
-            <a:r>
-              <a:rPr lang="ru-RU" dirty="0" err="1">
-                <a:latin typeface="Times New Roman" panose="02020603050405020304" pitchFamily="18" charset="0"/>
-                <a:cs typeface="Times New Roman" panose="02020603050405020304" pitchFamily="18" charset="0"/>
-              </a:rPr>
-              <a:t>Agile</a:t>
-            </a:r>
-            <a:r>
-              <a:rPr lang="ru-RU" dirty="0">
-                <a:latin typeface="Times New Roman" panose="02020603050405020304" pitchFamily="18" charset="0"/>
-                <a:cs typeface="Times New Roman" panose="02020603050405020304" pitchFamily="18" charset="0"/>
-              </a:rPr>
-              <a:t>) демонстрирует применение современных подходов к управлению проектами, а также способствует адаптации к изменяющимся требованиям пользователей. Применение различных библиотек и фреймворков Python, таких как </a:t>
-            </a:r>
-            <a:r>
-              <a:rPr lang="ru-RU" dirty="0" err="1">
-                <a:latin typeface="Times New Roman" panose="02020603050405020304" pitchFamily="18" charset="0"/>
-                <a:cs typeface="Times New Roman" panose="02020603050405020304" pitchFamily="18" charset="0"/>
-              </a:rPr>
-              <a:t>Flask</a:t>
-            </a:r>
-            <a:r>
-              <a:rPr lang="ru-RU" dirty="0">
-                <a:latin typeface="Times New Roman" panose="02020603050405020304" pitchFamily="18" charset="0"/>
-                <a:cs typeface="Times New Roman" panose="02020603050405020304" pitchFamily="18" charset="0"/>
-              </a:rPr>
-              <a:t> и Jinja2, подчеркивает важность использования современных технологий в веб-разработке.</a:t>
-            </a:r>
-          </a:p>
-        </p:txBody>
-      </p:sp>
+              <a:rPr lang="ru-RU" sz="2400" dirty="0">
+                <a:latin typeface="Times New Roman" panose="02020603050405020304" pitchFamily="18" charset="0"/>
+                <a:cs typeface="Times New Roman" panose="02020603050405020304" pitchFamily="18" charset="0"/>
+              </a:rPr>
+              <a:t>1. Открыл страницу, нажимаю на одну из ячеек</a:t>
+            </a:r>
+          </a:p>
+        </p:txBody>
+      </p:sp>
+      <p:cxnSp>
+        <p:nvCxnSpPr>
+          <p:cNvPr id="4" name="Прямая со стрелкой 3">
+            <a:extLst>
+              <a:ext uri="{FF2B5EF4-FFF2-40B4-BE49-F238E27FC236}">
+                <a16:creationId xmlns:a16="http://schemas.microsoft.com/office/drawing/2014/main" id="{27F91A6F-96AA-4E92-B65C-725C3AD067A5}"/>
+              </a:ext>
+            </a:extLst>
+          </p:cNvPr>
+          <p:cNvCxnSpPr>
+            <a:cxnSpLocks/>
+          </p:cNvCxnSpPr>
+          <p:nvPr/>
+        </p:nvCxnSpPr>
+        <p:spPr>
+          <a:xfrm flipH="1">
+            <a:off x="6096000" y="1219200"/>
+            <a:ext cx="1371600" cy="1463040"/>
+          </a:xfrm>
+          <a:prstGeom prst="straightConnector1">
+            <a:avLst/>
+          </a:prstGeom>
+          <a:ln w="76200">
+            <a:solidFill>
+              <a:srgbClr val="FF0000"/>
+            </a:solidFill>
+            <a:tailEnd type="triangle"/>
+          </a:ln>
+        </p:spPr>
+        <p:style>
+          <a:lnRef idx="1">
+            <a:schemeClr val="accent1"/>
+          </a:lnRef>
+          <a:fillRef idx="0">
+            <a:schemeClr val="accent1"/>
+          </a:fillRef>
+          <a:effectRef idx="0">
+            <a:schemeClr val="accent1"/>
+          </a:effectRef>
+          <a:fontRef idx="minor">
+            <a:schemeClr val="tx1"/>
+          </a:fontRef>
+        </p:style>
+      </p:cxnSp>
     </p:spTree>
     <p:extLst>
       <p:ext uri="{BB962C8B-B14F-4D97-AF65-F5344CB8AC3E}">
-        <p14:creationId xmlns:p14="http://schemas.microsoft.com/office/powerpoint/2010/main" val="1097234886"/>
+        <p14:creationId xmlns:p14="http://schemas.microsoft.com/office/powerpoint/2010/main" val="3358088991"/>
       </p:ext>
     </p:extLst>
   </p:cSld>
@@ -5712,125 +5989,156 @@
           <a:chExt cx="0" cy="0"/>
         </a:xfrm>
       </p:grpSpPr>
-      <p:sp>
-        <p:nvSpPr>
-          <p:cNvPr id="2" name="Заголовок 1">
-            <a:extLst>
-              <a:ext uri="{FF2B5EF4-FFF2-40B4-BE49-F238E27FC236}">
-                <a16:creationId xmlns:a16="http://schemas.microsoft.com/office/drawing/2014/main" id="{DFDDFB39-5B70-4855-8A0B-B0497437314A}"/>
-              </a:ext>
-            </a:extLst>
-          </p:cNvPr>
-          <p:cNvSpPr>
-            <a:spLocks noGrp="1"/>
-          </p:cNvSpPr>
-          <p:nvPr>
-            <p:ph type="title"/>
-          </p:nvPr>
-        </p:nvSpPr>
-        <p:spPr>
-          <a:xfrm>
-            <a:off x="231494" y="260954"/>
-            <a:ext cx="11729012" cy="803918"/>
-          </a:xfrm>
-        </p:spPr>
-        <p:txBody>
-          <a:bodyPr>
-            <a:normAutofit/>
+      <p:pic>
+        <p:nvPicPr>
+          <p:cNvPr id="7" name="Рисунок 6">
+            <a:extLst>
+              <a:ext uri="{FF2B5EF4-FFF2-40B4-BE49-F238E27FC236}">
+                <a16:creationId xmlns:a16="http://schemas.microsoft.com/office/drawing/2014/main" id="{B1056FB9-7D2D-4E20-AE9E-D8A3A6AD1898}"/>
+              </a:ext>
+            </a:extLst>
+          </p:cNvPr>
+          <p:cNvPicPr>
+            <a:picLocks noChangeAspect="1"/>
+          </p:cNvPicPr>
+          <p:nvPr/>
+        </p:nvPicPr>
+        <p:blipFill>
+          <a:blip r:embed="rId2">
+            <a:extLst>
+              <a:ext uri="{28A0092B-C50C-407E-A947-70E740481C1C}">
+                <a14:useLocalDpi xmlns:a14="http://schemas.microsoft.com/office/drawing/2010/main" val="0"/>
+              </a:ext>
+            </a:extLst>
+          </a:blip>
+          <a:srcRect/>
+          <a:stretch/>
+        </p:blipFill>
+        <p:spPr>
+          <a:xfrm>
+            <a:off x="1107548" y="1057423"/>
+            <a:ext cx="9976902" cy="5612009"/>
+          </a:xfrm>
+          <a:prstGeom prst="rect">
+            <a:avLst/>
+          </a:prstGeom>
+        </p:spPr>
+      </p:pic>
+      <p:sp>
+        <p:nvSpPr>
+          <p:cNvPr id="15" name="TextBox 14">
+            <a:extLst>
+              <a:ext uri="{FF2B5EF4-FFF2-40B4-BE49-F238E27FC236}">
+                <a16:creationId xmlns:a16="http://schemas.microsoft.com/office/drawing/2014/main" id="{CFB1321B-4F71-4D7C-8D92-C6C70FFF7287}"/>
+              </a:ext>
+            </a:extLst>
+          </p:cNvPr>
+          <p:cNvSpPr txBox="1"/>
+          <p:nvPr/>
+        </p:nvSpPr>
+        <p:spPr>
+          <a:xfrm>
+            <a:off x="193148" y="232345"/>
+            <a:ext cx="11805704" cy="461665"/>
+          </a:xfrm>
+          <a:prstGeom prst="rect">
+            <a:avLst/>
+          </a:prstGeom>
+          <a:noFill/>
+        </p:spPr>
+        <p:txBody>
+          <a:bodyPr wrap="square" rtlCol="0">
+            <a:spAutoFit/>
           </a:bodyPr>
           <a:lstStyle/>
           <a:p>
             <a:pPr algn="ctr"/>
             <a:r>
-              <a:rPr lang="ru-RU" sz="3000" dirty="0"/>
-              <a:t>8. Перспективы развития</a:t>
-            </a:r>
-          </a:p>
-        </p:txBody>
-      </p:sp>
-      <p:sp>
-        <p:nvSpPr>
-          <p:cNvPr id="3" name="Объект 2">
-            <a:extLst>
-              <a:ext uri="{FF2B5EF4-FFF2-40B4-BE49-F238E27FC236}">
-                <a16:creationId xmlns:a16="http://schemas.microsoft.com/office/drawing/2014/main" id="{EBECC4B8-BF51-4D45-891E-97F0B896E181}"/>
-              </a:ext>
-            </a:extLst>
-          </p:cNvPr>
-          <p:cNvSpPr>
-            <a:spLocks noGrp="1"/>
-          </p:cNvSpPr>
-          <p:nvPr>
-            <p:ph idx="1"/>
-          </p:nvPr>
-        </p:nvSpPr>
-        <p:spPr>
-          <a:xfrm>
-            <a:off x="231494" y="1365814"/>
-            <a:ext cx="11729012" cy="5231232"/>
-          </a:xfrm>
-        </p:spPr>
-        <p:txBody>
-          <a:bodyPr>
-            <a:normAutofit fontScale="77500" lnSpcReduction="20000"/>
-          </a:bodyPr>
-          <a:lstStyle/>
-          <a:p>
-            <a:pPr marL="0" indent="0" algn="just">
-              <a:lnSpc>
-                <a:spcPct val="170000"/>
-              </a:lnSpc>
-              <a:spcBef>
-                <a:spcPts val="200"/>
-              </a:spcBef>
-              <a:buNone/>
-            </a:pPr>
-            <a:r>
-              <a:rPr lang="ru-RU" dirty="0">
-                <a:latin typeface="Times New Roman" panose="02020603050405020304" pitchFamily="18" charset="0"/>
-                <a:cs typeface="Times New Roman" panose="02020603050405020304" pitchFamily="18" charset="0"/>
-              </a:rPr>
-              <a:t>Планируется расширение функционала веб-сайта для автоматизации процессов заказа и поставки продукции, а также для предоставления клиентам актуальной информации о наличии товаров и состоянии заказов. Также возможно развитие системы аналитики и отчетности для управленческого контроля за процессами складского учета и управления запасами.</a:t>
-            </a:r>
-          </a:p>
-          <a:p>
-            <a:pPr marL="0" indent="0" algn="just">
-              <a:lnSpc>
-                <a:spcPct val="170000"/>
-              </a:lnSpc>
-              <a:spcBef>
-                <a:spcPts val="200"/>
-              </a:spcBef>
-              <a:buNone/>
-            </a:pPr>
-            <a:r>
-              <a:rPr lang="ru-RU" dirty="0">
-                <a:latin typeface="Times New Roman" panose="02020603050405020304" pitchFamily="18" charset="0"/>
-                <a:cs typeface="Times New Roman" panose="02020603050405020304" pitchFamily="18" charset="0"/>
-              </a:rPr>
-              <a:t>В настоящее время для ускорения процесса разработки веб-сайта и упрощения работы с данными я использую CSV-файлы в качестве базы данных. Планируется разработка функциональности, которая автоматически будет преобразовывать данные из CSV в базу данных с использованием </a:t>
-            </a:r>
-            <a:r>
-              <a:rPr lang="ru-RU" dirty="0" err="1">
-                <a:latin typeface="Times New Roman" panose="02020603050405020304" pitchFamily="18" charset="0"/>
-                <a:cs typeface="Times New Roman" panose="02020603050405020304" pitchFamily="18" charset="0"/>
-              </a:rPr>
-              <a:t>SQLAlchemy</a:t>
-            </a:r>
-            <a:r>
-              <a:rPr lang="ru-RU" dirty="0">
-                <a:latin typeface="Times New Roman" panose="02020603050405020304" pitchFamily="18" charset="0"/>
-                <a:cs typeface="Times New Roman" panose="02020603050405020304" pitchFamily="18" charset="0"/>
-              </a:rPr>
-              <a:t>. Это поможет улучшить управление данными и обеспечит более эффективную работу с сайтом.</a:t>
-            </a:r>
-          </a:p>
-        </p:txBody>
-      </p:sp>
+              <a:rPr lang="ru-RU" sz="2400" dirty="0">
+                <a:latin typeface="Times New Roman" panose="02020603050405020304" pitchFamily="18" charset="0"/>
+                <a:cs typeface="Times New Roman" panose="02020603050405020304" pitchFamily="18" charset="0"/>
+              </a:rPr>
+              <a:t>2. Открывается информация о содержимом, нажимаю на кнопку (например на </a:t>
+            </a:r>
+            <a:r>
+              <a:rPr lang="en-US" sz="2400" dirty="0">
+                <a:latin typeface="Times New Roman" panose="02020603050405020304" pitchFamily="18" charset="0"/>
+                <a:cs typeface="Times New Roman" panose="02020603050405020304" pitchFamily="18" charset="0"/>
+              </a:rPr>
+              <a:t>“</a:t>
+            </a:r>
+            <a:r>
+              <a:rPr lang="ru-RU" sz="2400" dirty="0">
+                <a:latin typeface="Times New Roman" panose="02020603050405020304" pitchFamily="18" charset="0"/>
+                <a:cs typeface="Times New Roman" panose="02020603050405020304" pitchFamily="18" charset="0"/>
+              </a:rPr>
+              <a:t>Взять</a:t>
+            </a:r>
+            <a:r>
+              <a:rPr lang="en-US" sz="2400" dirty="0">
+                <a:latin typeface="Times New Roman" panose="02020603050405020304" pitchFamily="18" charset="0"/>
+                <a:cs typeface="Times New Roman" panose="02020603050405020304" pitchFamily="18" charset="0"/>
+              </a:rPr>
+              <a:t>”</a:t>
+            </a:r>
+            <a:r>
+              <a:rPr lang="ru-RU" sz="2400" dirty="0">
+                <a:latin typeface="Times New Roman" panose="02020603050405020304" pitchFamily="18" charset="0"/>
+                <a:cs typeface="Times New Roman" panose="02020603050405020304" pitchFamily="18" charset="0"/>
+              </a:rPr>
+              <a:t>)</a:t>
+            </a:r>
+          </a:p>
+        </p:txBody>
+      </p:sp>
+      <p:cxnSp>
+        <p:nvCxnSpPr>
+          <p:cNvPr id="16" name="Прямая со стрелкой 15">
+            <a:extLst>
+              <a:ext uri="{FF2B5EF4-FFF2-40B4-BE49-F238E27FC236}">
+                <a16:creationId xmlns:a16="http://schemas.microsoft.com/office/drawing/2014/main" id="{5E3CCDB7-D9CB-4267-A9E3-9072506EEEC2}"/>
+              </a:ext>
+            </a:extLst>
+          </p:cNvPr>
+          <p:cNvCxnSpPr>
+            <a:cxnSpLocks/>
+          </p:cNvCxnSpPr>
+          <p:nvPr/>
+        </p:nvCxnSpPr>
+        <p:spPr>
+          <a:xfrm flipV="1">
+            <a:off x="7244080" y="4693920"/>
+            <a:ext cx="1483361" cy="1290320"/>
+          </a:xfrm>
+          <a:prstGeom prst="straightConnector1">
+            <a:avLst/>
+          </a:prstGeom>
+          <a:ln w="76200">
+            <a:solidFill>
+              <a:srgbClr val="FF0000"/>
+            </a:solidFill>
+            <a:tailEnd type="triangle"/>
+          </a:ln>
+        </p:spPr>
+        <p:style>
+          <a:lnRef idx="1">
+            <a:schemeClr val="accent1"/>
+          </a:lnRef>
+          <a:fillRef idx="0">
+            <a:schemeClr val="accent1"/>
+          </a:fillRef>
+          <a:effectRef idx="0">
+            <a:schemeClr val="accent1"/>
+          </a:effectRef>
+          <a:fontRef idx="minor">
+            <a:schemeClr val="tx1"/>
+          </a:fontRef>
+        </p:style>
+      </p:cxnSp>
     </p:spTree>
     <p:extLst>
       <p:ext uri="{BB962C8B-B14F-4D97-AF65-F5344CB8AC3E}">
-        <p14:creationId xmlns:p14="http://schemas.microsoft.com/office/powerpoint/2010/main" val="4063826178"/>
+        <p14:creationId xmlns:p14="http://schemas.microsoft.com/office/powerpoint/2010/main" val="2297443509"/>
       </p:ext>
     </p:extLst>
   </p:cSld>
@@ -5857,93 +6165,153 @@
           <a:chExt cx="0" cy="0"/>
         </a:xfrm>
       </p:grpSpPr>
-      <p:sp>
-        <p:nvSpPr>
-          <p:cNvPr id="2" name="Заголовок 1">
-            <a:extLst>
-              <a:ext uri="{FF2B5EF4-FFF2-40B4-BE49-F238E27FC236}">
-                <a16:creationId xmlns:a16="http://schemas.microsoft.com/office/drawing/2014/main" id="{DFDDFB39-5B70-4855-8A0B-B0497437314A}"/>
-              </a:ext>
-            </a:extLst>
-          </p:cNvPr>
-          <p:cNvSpPr>
-            <a:spLocks noGrp="1"/>
-          </p:cNvSpPr>
-          <p:nvPr>
-            <p:ph type="title"/>
-          </p:nvPr>
-        </p:nvSpPr>
-        <p:spPr>
-          <a:xfrm>
-            <a:off x="231494" y="260954"/>
-            <a:ext cx="11729012" cy="803918"/>
-          </a:xfrm>
-        </p:spPr>
-        <p:txBody>
-          <a:bodyPr>
-            <a:normAutofit/>
+      <p:pic>
+        <p:nvPicPr>
+          <p:cNvPr id="10" name="Рисунок 9">
+            <a:extLst>
+              <a:ext uri="{FF2B5EF4-FFF2-40B4-BE49-F238E27FC236}">
+                <a16:creationId xmlns:a16="http://schemas.microsoft.com/office/drawing/2014/main" id="{E4A6777F-5E7C-4CC9-890A-6229D989C9DC}"/>
+              </a:ext>
+            </a:extLst>
+          </p:cNvPr>
+          <p:cNvPicPr>
+            <a:picLocks noChangeAspect="1"/>
+          </p:cNvPicPr>
+          <p:nvPr/>
+        </p:nvPicPr>
+        <p:blipFill>
+          <a:blip r:embed="rId2">
+            <a:extLst>
+              <a:ext uri="{28A0092B-C50C-407E-A947-70E740481C1C}">
+                <a14:useLocalDpi xmlns:a14="http://schemas.microsoft.com/office/drawing/2010/main" val="0"/>
+              </a:ext>
+            </a:extLst>
+          </a:blip>
+          <a:srcRect/>
+          <a:stretch/>
+        </p:blipFill>
+        <p:spPr>
+          <a:xfrm>
+            <a:off x="1107548" y="1057424"/>
+            <a:ext cx="9976902" cy="5612007"/>
+          </a:xfrm>
+          <a:prstGeom prst="rect">
+            <a:avLst/>
+          </a:prstGeom>
+        </p:spPr>
+      </p:pic>
+      <p:sp>
+        <p:nvSpPr>
+          <p:cNvPr id="15" name="TextBox 14">
+            <a:extLst>
+              <a:ext uri="{FF2B5EF4-FFF2-40B4-BE49-F238E27FC236}">
+                <a16:creationId xmlns:a16="http://schemas.microsoft.com/office/drawing/2014/main" id="{073D3174-2026-4860-AA1A-0E11836E309B}"/>
+              </a:ext>
+            </a:extLst>
+          </p:cNvPr>
+          <p:cNvSpPr txBox="1"/>
+          <p:nvPr/>
+        </p:nvSpPr>
+        <p:spPr>
+          <a:xfrm>
+            <a:off x="193148" y="232345"/>
+            <a:ext cx="11805704" cy="461665"/>
+          </a:xfrm>
+          <a:prstGeom prst="rect">
+            <a:avLst/>
+          </a:prstGeom>
+          <a:noFill/>
+        </p:spPr>
+        <p:txBody>
+          <a:bodyPr wrap="square" rtlCol="0">
+            <a:spAutoFit/>
           </a:bodyPr>
           <a:lstStyle/>
           <a:p>
             <a:pPr algn="ctr"/>
             <a:r>
-              <a:rPr lang="ru-RU" sz="3000" dirty="0"/>
-              <a:t>9. Выводы</a:t>
-            </a:r>
-          </a:p>
-        </p:txBody>
-      </p:sp>
-      <p:sp>
-        <p:nvSpPr>
-          <p:cNvPr id="3" name="Объект 2">
-            <a:extLst>
-              <a:ext uri="{FF2B5EF4-FFF2-40B4-BE49-F238E27FC236}">
-                <a16:creationId xmlns:a16="http://schemas.microsoft.com/office/drawing/2014/main" id="{EBECC4B8-BF51-4D45-891E-97F0B896E181}"/>
-              </a:ext>
-            </a:extLst>
-          </p:cNvPr>
-          <p:cNvSpPr>
-            <a:spLocks noGrp="1"/>
-          </p:cNvSpPr>
-          <p:nvPr>
-            <p:ph idx="1"/>
-          </p:nvPr>
-        </p:nvSpPr>
-        <p:spPr>
-          <a:xfrm>
-            <a:off x="231494" y="1365814"/>
-            <a:ext cx="11729012" cy="5231232"/>
-          </a:xfrm>
-        </p:spPr>
-        <p:txBody>
-          <a:bodyPr>
-            <a:normAutofit/>
-          </a:bodyPr>
-          <a:lstStyle/>
-          <a:p>
-            <a:pPr marL="0" indent="0" algn="just">
-              <a:lnSpc>
-                <a:spcPct val="150000"/>
-              </a:lnSpc>
-              <a:spcBef>
-                <a:spcPts val="200"/>
-              </a:spcBef>
-              <a:buNone/>
-            </a:pPr>
-            <a:r>
-              <a:rPr lang="ru-RU" dirty="0">
-                <a:latin typeface="Times New Roman" panose="02020603050405020304" pitchFamily="18" charset="0"/>
-                <a:cs typeface="Times New Roman" panose="02020603050405020304" pitchFamily="18" charset="0"/>
-              </a:rPr>
-              <a:t>Создание веб-сайта для учета и контроля товаров на складе является важным шагом в оптимизации процессов управления материалами компании. Применение современных методологий разработки и технологий веб-разработки позволяет создать мощный и гибкий инструмент, способный эффективно управлять информацией о товарах и заказах. Расширение функционала веб-сайта может значительно улучшить не только внутренние процессы компании, но и взаимодействие с клиентами и поставщиками.</a:t>
-            </a:r>
-          </a:p>
-        </p:txBody>
-      </p:sp>
+              <a:rPr lang="ru-RU" sz="2400" dirty="0">
+                <a:latin typeface="Times New Roman" panose="02020603050405020304" pitchFamily="18" charset="0"/>
+                <a:cs typeface="Times New Roman" panose="02020603050405020304" pitchFamily="18" charset="0"/>
+              </a:rPr>
+              <a:t>3. Появилось окно ввода, вбиваю количество, нажимаю </a:t>
+            </a:r>
+            <a:r>
+              <a:rPr lang="en-US" sz="2400" dirty="0">
+                <a:latin typeface="Times New Roman" panose="02020603050405020304" pitchFamily="18" charset="0"/>
+                <a:cs typeface="Times New Roman" panose="02020603050405020304" pitchFamily="18" charset="0"/>
+              </a:rPr>
+              <a:t>“</a:t>
+            </a:r>
+            <a:r>
+              <a:rPr lang="ru-RU" sz="2400" dirty="0">
+                <a:latin typeface="Times New Roman" panose="02020603050405020304" pitchFamily="18" charset="0"/>
+                <a:cs typeface="Times New Roman" panose="02020603050405020304" pitchFamily="18" charset="0"/>
+              </a:rPr>
+              <a:t>Готово</a:t>
+            </a:r>
+            <a:r>
+              <a:rPr lang="en-US" sz="2400" dirty="0">
+                <a:latin typeface="Times New Roman" panose="02020603050405020304" pitchFamily="18" charset="0"/>
+                <a:cs typeface="Times New Roman" panose="02020603050405020304" pitchFamily="18" charset="0"/>
+              </a:rPr>
+              <a:t>”</a:t>
+            </a:r>
+            <a:endParaRPr lang="ru-RU" sz="2400" dirty="0">
+              <a:latin typeface="Times New Roman" panose="02020603050405020304" pitchFamily="18" charset="0"/>
+              <a:cs typeface="Times New Roman" panose="02020603050405020304" pitchFamily="18" charset="0"/>
+            </a:endParaRPr>
+          </a:p>
+        </p:txBody>
+      </p:sp>
+      <p:cxnSp>
+        <p:nvCxnSpPr>
+          <p:cNvPr id="17" name="Прямая со стрелкой 16">
+            <a:extLst>
+              <a:ext uri="{FF2B5EF4-FFF2-40B4-BE49-F238E27FC236}">
+                <a16:creationId xmlns:a16="http://schemas.microsoft.com/office/drawing/2014/main" id="{0D05E499-EC24-41AF-A43C-52D979385942}"/>
+              </a:ext>
+            </a:extLst>
+          </p:cNvPr>
+          <p:cNvCxnSpPr>
+            <a:cxnSpLocks/>
+          </p:cNvCxnSpPr>
+          <p:nvPr/>
+        </p:nvCxnSpPr>
+        <p:spPr>
+          <a:xfrm flipV="1">
+            <a:off x="8666480" y="4907280"/>
+            <a:ext cx="1483361" cy="1290320"/>
+          </a:xfrm>
+          <a:prstGeom prst="straightConnector1">
+            <a:avLst/>
+          </a:prstGeom>
+          <a:ln w="76200">
+            <a:solidFill>
+              <a:srgbClr val="FF0000"/>
+            </a:solidFill>
+            <a:tailEnd type="triangle"/>
+          </a:ln>
+        </p:spPr>
+        <p:style>
+          <a:lnRef idx="1">
+            <a:schemeClr val="accent1"/>
+          </a:lnRef>
+          <a:fillRef idx="0">
+            <a:schemeClr val="accent1"/>
+          </a:fillRef>
+          <a:effectRef idx="0">
+            <a:schemeClr val="accent1"/>
+          </a:effectRef>
+          <a:fontRef idx="minor">
+            <a:schemeClr val="tx1"/>
+          </a:fontRef>
+        </p:style>
+      </p:cxnSp>
     </p:spTree>
     <p:extLst>
       <p:ext uri="{BB962C8B-B14F-4D97-AF65-F5344CB8AC3E}">
-        <p14:creationId xmlns:p14="http://schemas.microsoft.com/office/powerpoint/2010/main" val="3781129788"/>
+        <p14:creationId xmlns:p14="http://schemas.microsoft.com/office/powerpoint/2010/main" val="1299144796"/>
       </p:ext>
     </p:extLst>
   </p:cSld>
@@ -5970,6 +6338,666 @@
           <a:chExt cx="0" cy="0"/>
         </a:xfrm>
       </p:grpSpPr>
+      <p:pic>
+        <p:nvPicPr>
+          <p:cNvPr id="12" name="Рисунок 11">
+            <a:extLst>
+              <a:ext uri="{FF2B5EF4-FFF2-40B4-BE49-F238E27FC236}">
+                <a16:creationId xmlns:a16="http://schemas.microsoft.com/office/drawing/2014/main" id="{1CAD4251-1A7F-4814-8750-D7D7779FC7B6}"/>
+              </a:ext>
+            </a:extLst>
+          </p:cNvPr>
+          <p:cNvPicPr>
+            <a:picLocks noChangeAspect="1"/>
+          </p:cNvPicPr>
+          <p:nvPr/>
+        </p:nvPicPr>
+        <p:blipFill>
+          <a:blip r:embed="rId2">
+            <a:extLst>
+              <a:ext uri="{28A0092B-C50C-407E-A947-70E740481C1C}">
+                <a14:useLocalDpi xmlns:a14="http://schemas.microsoft.com/office/drawing/2010/main" val="0"/>
+              </a:ext>
+            </a:extLst>
+          </a:blip>
+          <a:srcRect/>
+          <a:stretch/>
+        </p:blipFill>
+        <p:spPr>
+          <a:xfrm>
+            <a:off x="1107549" y="1054288"/>
+            <a:ext cx="9976901" cy="5612007"/>
+          </a:xfrm>
+          <a:prstGeom prst="rect">
+            <a:avLst/>
+          </a:prstGeom>
+        </p:spPr>
+      </p:pic>
+      <p:sp>
+        <p:nvSpPr>
+          <p:cNvPr id="15" name="TextBox 14">
+            <a:extLst>
+              <a:ext uri="{FF2B5EF4-FFF2-40B4-BE49-F238E27FC236}">
+                <a16:creationId xmlns:a16="http://schemas.microsoft.com/office/drawing/2014/main" id="{94598863-BCDE-44B8-BCF0-1C64D7BA3013}"/>
+              </a:ext>
+            </a:extLst>
+          </p:cNvPr>
+          <p:cNvSpPr txBox="1"/>
+          <p:nvPr/>
+        </p:nvSpPr>
+        <p:spPr>
+          <a:xfrm>
+            <a:off x="193148" y="232345"/>
+            <a:ext cx="11805704" cy="461665"/>
+          </a:xfrm>
+          <a:prstGeom prst="rect">
+            <a:avLst/>
+          </a:prstGeom>
+          <a:noFill/>
+        </p:spPr>
+        <p:txBody>
+          <a:bodyPr wrap="square" rtlCol="0">
+            <a:spAutoFit/>
+          </a:bodyPr>
+          <a:lstStyle/>
+          <a:p>
+            <a:pPr algn="ctr"/>
+            <a:r>
+              <a:rPr lang="ru-RU" sz="2400" dirty="0">
+                <a:latin typeface="Times New Roman" panose="02020603050405020304" pitchFamily="18" charset="0"/>
+                <a:cs typeface="Times New Roman" panose="02020603050405020304" pitchFamily="18" charset="0"/>
+              </a:rPr>
+              <a:t>4. Количество изменилось, окно ввода пропало</a:t>
+            </a:r>
+          </a:p>
+        </p:txBody>
+      </p:sp>
+      <p:cxnSp>
+        <p:nvCxnSpPr>
+          <p:cNvPr id="16" name="Прямая со стрелкой 15">
+            <a:extLst>
+              <a:ext uri="{FF2B5EF4-FFF2-40B4-BE49-F238E27FC236}">
+                <a16:creationId xmlns:a16="http://schemas.microsoft.com/office/drawing/2014/main" id="{E468CF96-316E-4F0B-A191-C70648EB41B5}"/>
+              </a:ext>
+            </a:extLst>
+          </p:cNvPr>
+          <p:cNvCxnSpPr>
+            <a:cxnSpLocks/>
+          </p:cNvCxnSpPr>
+          <p:nvPr/>
+        </p:nvCxnSpPr>
+        <p:spPr>
+          <a:xfrm flipH="1">
+            <a:off x="8717280" y="2997200"/>
+            <a:ext cx="1971040" cy="1249680"/>
+          </a:xfrm>
+          <a:prstGeom prst="straightConnector1">
+            <a:avLst/>
+          </a:prstGeom>
+          <a:ln w="76200">
+            <a:solidFill>
+              <a:srgbClr val="FF0000"/>
+            </a:solidFill>
+            <a:tailEnd type="triangle"/>
+          </a:ln>
+        </p:spPr>
+        <p:style>
+          <a:lnRef idx="1">
+            <a:schemeClr val="accent1"/>
+          </a:lnRef>
+          <a:fillRef idx="0">
+            <a:schemeClr val="accent1"/>
+          </a:fillRef>
+          <a:effectRef idx="0">
+            <a:schemeClr val="accent1"/>
+          </a:effectRef>
+          <a:fontRef idx="minor">
+            <a:schemeClr val="tx1"/>
+          </a:fontRef>
+        </p:style>
+      </p:cxnSp>
+    </p:spTree>
+    <p:extLst>
+      <p:ext uri="{BB962C8B-B14F-4D97-AF65-F5344CB8AC3E}">
+        <p14:creationId xmlns:p14="http://schemas.microsoft.com/office/powerpoint/2010/main" val="2003281160"/>
+      </p:ext>
+    </p:extLst>
+  </p:cSld>
+  <p:clrMapOvr>
+    <a:masterClrMapping/>
+  </p:clrMapOvr>
+</p:sld>
+</file>
+
+<file path=ppt/slides/slide24.xml><?xml version="1.0" encoding="utf-8"?>
+<p:sld xmlns:a="http://schemas.openxmlformats.org/drawingml/2006/main" xmlns:r="http://schemas.openxmlformats.org/officeDocument/2006/relationships" xmlns:p="http://schemas.openxmlformats.org/presentationml/2006/main">
+  <p:cSld>
+    <p:spTree>
+      <p:nvGrpSpPr>
+        <p:cNvPr id="1" name=""/>
+        <p:cNvGrpSpPr/>
+        <p:nvPr/>
+      </p:nvGrpSpPr>
+      <p:grpSpPr>
+        <a:xfrm>
+          <a:off x="0" y="0"/>
+          <a:ext cx="0" cy="0"/>
+          <a:chOff x="0" y="0"/>
+          <a:chExt cx="0" cy="0"/>
+        </a:xfrm>
+      </p:grpSpPr>
+      <p:sp>
+        <p:nvSpPr>
+          <p:cNvPr id="2" name="Заголовок 1">
+            <a:extLst>
+              <a:ext uri="{FF2B5EF4-FFF2-40B4-BE49-F238E27FC236}">
+                <a16:creationId xmlns:a16="http://schemas.microsoft.com/office/drawing/2014/main" id="{DFDDFB39-5B70-4855-8A0B-B0497437314A}"/>
+              </a:ext>
+            </a:extLst>
+          </p:cNvPr>
+          <p:cNvSpPr>
+            <a:spLocks noGrp="1"/>
+          </p:cNvSpPr>
+          <p:nvPr>
+            <p:ph type="title"/>
+          </p:nvPr>
+        </p:nvSpPr>
+        <p:spPr>
+          <a:xfrm>
+            <a:off x="231494" y="260954"/>
+            <a:ext cx="11729012" cy="803918"/>
+          </a:xfrm>
+        </p:spPr>
+        <p:txBody>
+          <a:bodyPr>
+            <a:normAutofit/>
+          </a:bodyPr>
+          <a:lstStyle/>
+          <a:p>
+            <a:pPr algn="ctr"/>
+            <a:r>
+              <a:rPr lang="ru-RU" sz="3000" dirty="0"/>
+              <a:t>7. Практическая и теоретическая значимость</a:t>
+            </a:r>
+          </a:p>
+        </p:txBody>
+      </p:sp>
+      <p:sp>
+        <p:nvSpPr>
+          <p:cNvPr id="3" name="Объект 2">
+            <a:extLst>
+              <a:ext uri="{FF2B5EF4-FFF2-40B4-BE49-F238E27FC236}">
+                <a16:creationId xmlns:a16="http://schemas.microsoft.com/office/drawing/2014/main" id="{EBECC4B8-BF51-4D45-891E-97F0B896E181}"/>
+              </a:ext>
+            </a:extLst>
+          </p:cNvPr>
+          <p:cNvSpPr>
+            <a:spLocks noGrp="1"/>
+          </p:cNvSpPr>
+          <p:nvPr>
+            <p:ph idx="1"/>
+          </p:nvPr>
+        </p:nvSpPr>
+        <p:spPr>
+          <a:xfrm>
+            <a:off x="231494" y="1365814"/>
+            <a:ext cx="11729012" cy="5231232"/>
+          </a:xfrm>
+        </p:spPr>
+        <p:txBody>
+          <a:bodyPr>
+            <a:normAutofit/>
+          </a:bodyPr>
+          <a:lstStyle/>
+          <a:p>
+            <a:pPr marL="0" indent="0" algn="just">
+              <a:lnSpc>
+                <a:spcPct val="150000"/>
+              </a:lnSpc>
+              <a:spcBef>
+                <a:spcPts val="200"/>
+              </a:spcBef>
+              <a:buNone/>
+            </a:pPr>
+            <a:r>
+              <a:rPr lang="ru-RU" dirty="0">
+                <a:latin typeface="Times New Roman" panose="02020603050405020304" pitchFamily="18" charset="0"/>
+                <a:cs typeface="Times New Roman" panose="02020603050405020304" pitchFamily="18" charset="0"/>
+              </a:rPr>
+              <a:t>Разработка веб-сайта для учета и контроля товаров на складе представляет собой важный шаг в оптимизации процессов управления материалами. Этот проект направлен на улучшение эффективности учета и заказов товаров, что в свою очередь способствует повышению производительности и сокращению времени, затрачиваемого на административные процессы. Обучение персонала и регулярное обновление системы гарантируют, что веб-сайт будет актуален и полезен в повседневной деятельности компании.</a:t>
+            </a:r>
+          </a:p>
+        </p:txBody>
+      </p:sp>
+    </p:spTree>
+    <p:extLst>
+      <p:ext uri="{BB962C8B-B14F-4D97-AF65-F5344CB8AC3E}">
+        <p14:creationId xmlns:p14="http://schemas.microsoft.com/office/powerpoint/2010/main" val="655033317"/>
+      </p:ext>
+    </p:extLst>
+  </p:cSld>
+  <p:clrMapOvr>
+    <a:masterClrMapping/>
+  </p:clrMapOvr>
+</p:sld>
+</file>
+
+<file path=ppt/slides/slide25.xml><?xml version="1.0" encoding="utf-8"?>
+<p:sld xmlns:a="http://schemas.openxmlformats.org/drawingml/2006/main" xmlns:r="http://schemas.openxmlformats.org/officeDocument/2006/relationships" xmlns:p="http://schemas.openxmlformats.org/presentationml/2006/main">
+  <p:cSld>
+    <p:spTree>
+      <p:nvGrpSpPr>
+        <p:cNvPr id="1" name=""/>
+        <p:cNvGrpSpPr/>
+        <p:nvPr/>
+      </p:nvGrpSpPr>
+      <p:grpSpPr>
+        <a:xfrm>
+          <a:off x="0" y="0"/>
+          <a:ext cx="0" cy="0"/>
+          <a:chOff x="0" y="0"/>
+          <a:chExt cx="0" cy="0"/>
+        </a:xfrm>
+      </p:grpSpPr>
+      <p:sp>
+        <p:nvSpPr>
+          <p:cNvPr id="2" name="Заголовок 1">
+            <a:extLst>
+              <a:ext uri="{FF2B5EF4-FFF2-40B4-BE49-F238E27FC236}">
+                <a16:creationId xmlns:a16="http://schemas.microsoft.com/office/drawing/2014/main" id="{DFDDFB39-5B70-4855-8A0B-B0497437314A}"/>
+              </a:ext>
+            </a:extLst>
+          </p:cNvPr>
+          <p:cNvSpPr>
+            <a:spLocks noGrp="1"/>
+          </p:cNvSpPr>
+          <p:nvPr>
+            <p:ph type="title"/>
+          </p:nvPr>
+        </p:nvSpPr>
+        <p:spPr>
+          <a:xfrm>
+            <a:off x="231494" y="260954"/>
+            <a:ext cx="11729012" cy="803918"/>
+          </a:xfrm>
+        </p:spPr>
+        <p:txBody>
+          <a:bodyPr>
+            <a:normAutofit/>
+          </a:bodyPr>
+          <a:lstStyle/>
+          <a:p>
+            <a:pPr algn="ctr"/>
+            <a:r>
+              <a:rPr lang="ru-RU" sz="3000" dirty="0"/>
+              <a:t>7. Практическая и теоретическая значимость</a:t>
+            </a:r>
+          </a:p>
+        </p:txBody>
+      </p:sp>
+      <p:sp>
+        <p:nvSpPr>
+          <p:cNvPr id="3" name="Объект 2">
+            <a:extLst>
+              <a:ext uri="{FF2B5EF4-FFF2-40B4-BE49-F238E27FC236}">
+                <a16:creationId xmlns:a16="http://schemas.microsoft.com/office/drawing/2014/main" id="{EBECC4B8-BF51-4D45-891E-97F0B896E181}"/>
+              </a:ext>
+            </a:extLst>
+          </p:cNvPr>
+          <p:cNvSpPr>
+            <a:spLocks noGrp="1"/>
+          </p:cNvSpPr>
+          <p:nvPr>
+            <p:ph idx="1"/>
+          </p:nvPr>
+        </p:nvSpPr>
+        <p:spPr>
+          <a:xfrm>
+            <a:off x="231494" y="1365814"/>
+            <a:ext cx="11729012" cy="5231232"/>
+          </a:xfrm>
+        </p:spPr>
+        <p:txBody>
+          <a:bodyPr>
+            <a:normAutofit/>
+          </a:bodyPr>
+          <a:lstStyle/>
+          <a:p>
+            <a:pPr marL="0" indent="0" algn="just">
+              <a:lnSpc>
+                <a:spcPct val="150000"/>
+              </a:lnSpc>
+              <a:spcBef>
+                <a:spcPts val="200"/>
+              </a:spcBef>
+              <a:buNone/>
+            </a:pPr>
+            <a:r>
+              <a:rPr lang="ru-RU" dirty="0">
+                <a:latin typeface="Times New Roman" panose="02020603050405020304" pitchFamily="18" charset="0"/>
+                <a:cs typeface="Times New Roman" panose="02020603050405020304" pitchFamily="18" charset="0"/>
+              </a:rPr>
+              <a:t>С точки зрения теоретической значимости, использование гибкой методологии разработки ПО (</a:t>
+            </a:r>
+            <a:r>
+              <a:rPr lang="ru-RU" dirty="0" err="1">
+                <a:latin typeface="Times New Roman" panose="02020603050405020304" pitchFamily="18" charset="0"/>
+                <a:cs typeface="Times New Roman" panose="02020603050405020304" pitchFamily="18" charset="0"/>
+              </a:rPr>
+              <a:t>Agile</a:t>
+            </a:r>
+            <a:r>
+              <a:rPr lang="ru-RU" dirty="0">
+                <a:latin typeface="Times New Roman" panose="02020603050405020304" pitchFamily="18" charset="0"/>
+                <a:cs typeface="Times New Roman" panose="02020603050405020304" pitchFamily="18" charset="0"/>
+              </a:rPr>
+              <a:t>) демонстрирует применение современных подходов к управлению проектами, а также способствует адаптации к изменяющимся требованиям пользователей. Применение различных библиотек и фреймворков Python, таких как </a:t>
+            </a:r>
+            <a:r>
+              <a:rPr lang="ru-RU" dirty="0" err="1">
+                <a:latin typeface="Times New Roman" panose="02020603050405020304" pitchFamily="18" charset="0"/>
+                <a:cs typeface="Times New Roman" panose="02020603050405020304" pitchFamily="18" charset="0"/>
+              </a:rPr>
+              <a:t>Flask</a:t>
+            </a:r>
+            <a:r>
+              <a:rPr lang="ru-RU" dirty="0">
+                <a:latin typeface="Times New Roman" panose="02020603050405020304" pitchFamily="18" charset="0"/>
+                <a:cs typeface="Times New Roman" panose="02020603050405020304" pitchFamily="18" charset="0"/>
+              </a:rPr>
+              <a:t> и Jinja2, подчеркивает важность использования современных технологий в веб-разработке.</a:t>
+            </a:r>
+          </a:p>
+        </p:txBody>
+      </p:sp>
+    </p:spTree>
+    <p:extLst>
+      <p:ext uri="{BB962C8B-B14F-4D97-AF65-F5344CB8AC3E}">
+        <p14:creationId xmlns:p14="http://schemas.microsoft.com/office/powerpoint/2010/main" val="1097234886"/>
+      </p:ext>
+    </p:extLst>
+  </p:cSld>
+  <p:clrMapOvr>
+    <a:masterClrMapping/>
+  </p:clrMapOvr>
+</p:sld>
+</file>
+
+<file path=ppt/slides/slide26.xml><?xml version="1.0" encoding="utf-8"?>
+<p:sld xmlns:a="http://schemas.openxmlformats.org/drawingml/2006/main" xmlns:r="http://schemas.openxmlformats.org/officeDocument/2006/relationships" xmlns:p="http://schemas.openxmlformats.org/presentationml/2006/main">
+  <p:cSld>
+    <p:spTree>
+      <p:nvGrpSpPr>
+        <p:cNvPr id="1" name=""/>
+        <p:cNvGrpSpPr/>
+        <p:nvPr/>
+      </p:nvGrpSpPr>
+      <p:grpSpPr>
+        <a:xfrm>
+          <a:off x="0" y="0"/>
+          <a:ext cx="0" cy="0"/>
+          <a:chOff x="0" y="0"/>
+          <a:chExt cx="0" cy="0"/>
+        </a:xfrm>
+      </p:grpSpPr>
+      <p:sp>
+        <p:nvSpPr>
+          <p:cNvPr id="2" name="Заголовок 1">
+            <a:extLst>
+              <a:ext uri="{FF2B5EF4-FFF2-40B4-BE49-F238E27FC236}">
+                <a16:creationId xmlns:a16="http://schemas.microsoft.com/office/drawing/2014/main" id="{DFDDFB39-5B70-4855-8A0B-B0497437314A}"/>
+              </a:ext>
+            </a:extLst>
+          </p:cNvPr>
+          <p:cNvSpPr>
+            <a:spLocks noGrp="1"/>
+          </p:cNvSpPr>
+          <p:nvPr>
+            <p:ph type="title"/>
+          </p:nvPr>
+        </p:nvSpPr>
+        <p:spPr>
+          <a:xfrm>
+            <a:off x="231494" y="260954"/>
+            <a:ext cx="11729012" cy="803918"/>
+          </a:xfrm>
+        </p:spPr>
+        <p:txBody>
+          <a:bodyPr>
+            <a:normAutofit/>
+          </a:bodyPr>
+          <a:lstStyle/>
+          <a:p>
+            <a:pPr algn="ctr"/>
+            <a:r>
+              <a:rPr lang="ru-RU" sz="3000" dirty="0"/>
+              <a:t>8. Перспективы развития</a:t>
+            </a:r>
+          </a:p>
+        </p:txBody>
+      </p:sp>
+      <p:sp>
+        <p:nvSpPr>
+          <p:cNvPr id="3" name="Объект 2">
+            <a:extLst>
+              <a:ext uri="{FF2B5EF4-FFF2-40B4-BE49-F238E27FC236}">
+                <a16:creationId xmlns:a16="http://schemas.microsoft.com/office/drawing/2014/main" id="{EBECC4B8-BF51-4D45-891E-97F0B896E181}"/>
+              </a:ext>
+            </a:extLst>
+          </p:cNvPr>
+          <p:cNvSpPr>
+            <a:spLocks noGrp="1"/>
+          </p:cNvSpPr>
+          <p:nvPr>
+            <p:ph idx="1"/>
+          </p:nvPr>
+        </p:nvSpPr>
+        <p:spPr>
+          <a:xfrm>
+            <a:off x="231494" y="1365814"/>
+            <a:ext cx="11729012" cy="5231232"/>
+          </a:xfrm>
+        </p:spPr>
+        <p:txBody>
+          <a:bodyPr>
+            <a:normAutofit fontScale="77500" lnSpcReduction="20000"/>
+          </a:bodyPr>
+          <a:lstStyle/>
+          <a:p>
+            <a:pPr marL="0" indent="0" algn="just">
+              <a:lnSpc>
+                <a:spcPct val="170000"/>
+              </a:lnSpc>
+              <a:spcBef>
+                <a:spcPts val="200"/>
+              </a:spcBef>
+              <a:buNone/>
+            </a:pPr>
+            <a:r>
+              <a:rPr lang="ru-RU" dirty="0">
+                <a:latin typeface="Times New Roman" panose="02020603050405020304" pitchFamily="18" charset="0"/>
+                <a:cs typeface="Times New Roman" panose="02020603050405020304" pitchFamily="18" charset="0"/>
+              </a:rPr>
+              <a:t>Планируется расширение функционала веб-сайта для автоматизации процессов заказа и поставки продукции, а также для предоставления клиентам актуальной информации о наличии товаров и состоянии заказов. Также возможно развитие системы аналитики и отчетности для управленческого контроля за процессами складского учета и управления запасами.</a:t>
+            </a:r>
+          </a:p>
+          <a:p>
+            <a:pPr marL="0" indent="0" algn="just">
+              <a:lnSpc>
+                <a:spcPct val="170000"/>
+              </a:lnSpc>
+              <a:spcBef>
+                <a:spcPts val="200"/>
+              </a:spcBef>
+              <a:buNone/>
+            </a:pPr>
+            <a:r>
+              <a:rPr lang="ru-RU" dirty="0">
+                <a:latin typeface="Times New Roman" panose="02020603050405020304" pitchFamily="18" charset="0"/>
+                <a:cs typeface="Times New Roman" panose="02020603050405020304" pitchFamily="18" charset="0"/>
+              </a:rPr>
+              <a:t>В настоящее время для ускорения процесса разработки веб-сайта и упрощения работы с данными я использую CSV-файлы в качестве базы данных. Планируется разработка функциональности, которая автоматически будет преобразовывать данные из CSV в базу данных с использованием </a:t>
+            </a:r>
+            <a:r>
+              <a:rPr lang="ru-RU" dirty="0" err="1">
+                <a:latin typeface="Times New Roman" panose="02020603050405020304" pitchFamily="18" charset="0"/>
+                <a:cs typeface="Times New Roman" panose="02020603050405020304" pitchFamily="18" charset="0"/>
+              </a:rPr>
+              <a:t>SQLAlchemy</a:t>
+            </a:r>
+            <a:r>
+              <a:rPr lang="ru-RU" dirty="0">
+                <a:latin typeface="Times New Roman" panose="02020603050405020304" pitchFamily="18" charset="0"/>
+                <a:cs typeface="Times New Roman" panose="02020603050405020304" pitchFamily="18" charset="0"/>
+              </a:rPr>
+              <a:t>. Это поможет улучшить управление данными и обеспечит более эффективную работу с сайтом.</a:t>
+            </a:r>
+          </a:p>
+        </p:txBody>
+      </p:sp>
+    </p:spTree>
+    <p:extLst>
+      <p:ext uri="{BB962C8B-B14F-4D97-AF65-F5344CB8AC3E}">
+        <p14:creationId xmlns:p14="http://schemas.microsoft.com/office/powerpoint/2010/main" val="4063826178"/>
+      </p:ext>
+    </p:extLst>
+  </p:cSld>
+  <p:clrMapOvr>
+    <a:masterClrMapping/>
+  </p:clrMapOvr>
+</p:sld>
+</file>
+
+<file path=ppt/slides/slide27.xml><?xml version="1.0" encoding="utf-8"?>
+<p:sld xmlns:a="http://schemas.openxmlformats.org/drawingml/2006/main" xmlns:r="http://schemas.openxmlformats.org/officeDocument/2006/relationships" xmlns:p="http://schemas.openxmlformats.org/presentationml/2006/main">
+  <p:cSld>
+    <p:spTree>
+      <p:nvGrpSpPr>
+        <p:cNvPr id="1" name=""/>
+        <p:cNvGrpSpPr/>
+        <p:nvPr/>
+      </p:nvGrpSpPr>
+      <p:grpSpPr>
+        <a:xfrm>
+          <a:off x="0" y="0"/>
+          <a:ext cx="0" cy="0"/>
+          <a:chOff x="0" y="0"/>
+          <a:chExt cx="0" cy="0"/>
+        </a:xfrm>
+      </p:grpSpPr>
+      <p:sp>
+        <p:nvSpPr>
+          <p:cNvPr id="2" name="Заголовок 1">
+            <a:extLst>
+              <a:ext uri="{FF2B5EF4-FFF2-40B4-BE49-F238E27FC236}">
+                <a16:creationId xmlns:a16="http://schemas.microsoft.com/office/drawing/2014/main" id="{DFDDFB39-5B70-4855-8A0B-B0497437314A}"/>
+              </a:ext>
+            </a:extLst>
+          </p:cNvPr>
+          <p:cNvSpPr>
+            <a:spLocks noGrp="1"/>
+          </p:cNvSpPr>
+          <p:nvPr>
+            <p:ph type="title"/>
+          </p:nvPr>
+        </p:nvSpPr>
+        <p:spPr>
+          <a:xfrm>
+            <a:off x="231494" y="260954"/>
+            <a:ext cx="11729012" cy="803918"/>
+          </a:xfrm>
+        </p:spPr>
+        <p:txBody>
+          <a:bodyPr>
+            <a:normAutofit/>
+          </a:bodyPr>
+          <a:lstStyle/>
+          <a:p>
+            <a:pPr algn="ctr"/>
+            <a:r>
+              <a:rPr lang="ru-RU" sz="3000" dirty="0"/>
+              <a:t>9. Выводы</a:t>
+            </a:r>
+          </a:p>
+        </p:txBody>
+      </p:sp>
+      <p:sp>
+        <p:nvSpPr>
+          <p:cNvPr id="3" name="Объект 2">
+            <a:extLst>
+              <a:ext uri="{FF2B5EF4-FFF2-40B4-BE49-F238E27FC236}">
+                <a16:creationId xmlns:a16="http://schemas.microsoft.com/office/drawing/2014/main" id="{EBECC4B8-BF51-4D45-891E-97F0B896E181}"/>
+              </a:ext>
+            </a:extLst>
+          </p:cNvPr>
+          <p:cNvSpPr>
+            <a:spLocks noGrp="1"/>
+          </p:cNvSpPr>
+          <p:nvPr>
+            <p:ph idx="1"/>
+          </p:nvPr>
+        </p:nvSpPr>
+        <p:spPr>
+          <a:xfrm>
+            <a:off x="231494" y="1365814"/>
+            <a:ext cx="11729012" cy="5231232"/>
+          </a:xfrm>
+        </p:spPr>
+        <p:txBody>
+          <a:bodyPr>
+            <a:normAutofit/>
+          </a:bodyPr>
+          <a:lstStyle/>
+          <a:p>
+            <a:pPr marL="0" indent="0" algn="just">
+              <a:lnSpc>
+                <a:spcPct val="150000"/>
+              </a:lnSpc>
+              <a:spcBef>
+                <a:spcPts val="200"/>
+              </a:spcBef>
+              <a:buNone/>
+            </a:pPr>
+            <a:r>
+              <a:rPr lang="ru-RU" dirty="0">
+                <a:latin typeface="Times New Roman" panose="02020603050405020304" pitchFamily="18" charset="0"/>
+                <a:cs typeface="Times New Roman" panose="02020603050405020304" pitchFamily="18" charset="0"/>
+              </a:rPr>
+              <a:t>Создание веб-сайта для учета и контроля товаров на складе является важным шагом в оптимизации процессов управления материалами компании. Применение современных методологий разработки и технологий веб-разработки позволяет создать мощный и гибкий инструмент, способный эффективно управлять информацией о товарах и заказах. Расширение функционала веб-сайта может значительно улучшить не только внутренние процессы компании, но и взаимодействие с клиентами и поставщиками.</a:t>
+            </a:r>
+          </a:p>
+        </p:txBody>
+      </p:sp>
+    </p:spTree>
+    <p:extLst>
+      <p:ext uri="{BB962C8B-B14F-4D97-AF65-F5344CB8AC3E}">
+        <p14:creationId xmlns:p14="http://schemas.microsoft.com/office/powerpoint/2010/main" val="3781129788"/>
+      </p:ext>
+    </p:extLst>
+  </p:cSld>
+  <p:clrMapOvr>
+    <a:masterClrMapping/>
+  </p:clrMapOvr>
+</p:sld>
+</file>
+
+<file path=ppt/slides/slide28.xml><?xml version="1.0" encoding="utf-8"?>
+<p:sld xmlns:a="http://schemas.openxmlformats.org/drawingml/2006/main" xmlns:r="http://schemas.openxmlformats.org/officeDocument/2006/relationships" xmlns:p="http://schemas.openxmlformats.org/presentationml/2006/main">
+  <p:cSld>
+    <p:spTree>
+      <p:nvGrpSpPr>
+        <p:cNvPr id="1" name=""/>
+        <p:cNvGrpSpPr/>
+        <p:nvPr/>
+      </p:nvGrpSpPr>
+      <p:grpSpPr>
+        <a:xfrm>
+          <a:off x="0" y="0"/>
+          <a:ext cx="0" cy="0"/>
+          <a:chOff x="0" y="0"/>
+          <a:chExt cx="0" cy="0"/>
+        </a:xfrm>
+      </p:grpSpPr>
       <p:sp>
         <p:nvSpPr>
           <p:cNvPr id="2" name="Заголовок 1">
@@ -6215,7 +7243,7 @@
 </p:sld>
 </file>
 
-<file path=ppt/slides/slide24.xml><?xml version="1.0" encoding="utf-8"?>
+<file path=ppt/slides/slide29.xml><?xml version="1.0" encoding="utf-8"?>
 <p:sld xmlns:a="http://schemas.openxmlformats.org/drawingml/2006/main" xmlns:r="http://schemas.openxmlformats.org/officeDocument/2006/relationships" xmlns:p="http://schemas.openxmlformats.org/presentationml/2006/main">
   <p:cSld>
     <p:spTree>
@@ -6678,7 +7706,7 @@
                 <a:latin typeface="Times New Roman" panose="02020603050405020304" pitchFamily="18" charset="0"/>
                 <a:cs typeface="Times New Roman" panose="02020603050405020304" pitchFamily="18" charset="0"/>
               </a:rPr>
-              <a:t>Именно поэтому целью моего проекта является создание веб-сайта, который станет виртуальной платформой для контроля и учета различных товаров на складе, включая крепежные элементы. Этот проект нацелен на обеспечение максимальной эффективности работы и улучшения качества регулирования используемых компанией материалов.</a:t>
+              <a:t>Целью моего проекта является создание веб-сайта, который станет виртуальной платформой для контроля и учета различных товаров на складе, включая крепежные элементы. Этот проект нацелен на обеспечение максимальной эффективности работы и улучшения качества регулирования используемых компанией материалов.</a:t>
             </a:r>
           </a:p>
         </p:txBody>

--- a/resources/Мультимедийная презентация.pptx
+++ b/resources/Мультимедийная презентация.pptx
@@ -5158,7 +5158,7 @@
         </p:spPr>
         <p:txBody>
           <a:bodyPr>
-            <a:normAutofit/>
+            <a:noAutofit/>
           </a:bodyPr>
           <a:lstStyle/>
           <a:p>
@@ -5172,11 +5172,11 @@
               <a:buNone/>
             </a:pPr>
             <a:r>
-              <a:rPr lang="ru-RU" dirty="0">
-                <a:latin typeface="Times New Roman" panose="02020603050405020304" pitchFamily="18" charset="0"/>
-                <a:cs typeface="Times New Roman" panose="02020603050405020304" pitchFamily="18" charset="0"/>
-              </a:rPr>
-              <a:t>Я ожидаю, что внедрение нового веб-сайта с функционалом учета и контроля товаров на складе значительно упростит процессы управления материалами и сократит время, затрачиваемое на заказ и учет товаров. В мои планы входит обучение персонала компании перед использованием новой системы, а также её регулярное обновление при наличии изменений ассортимента и потребностей компании.</a:t>
+              <a:rPr lang="ru-RU" sz="2400" dirty="0">
+                <a:latin typeface="Times New Roman" panose="02020603050405020304" pitchFamily="18" charset="0"/>
+                <a:cs typeface="Times New Roman" panose="02020603050405020304" pitchFamily="18" charset="0"/>
+              </a:rPr>
+              <a:t>Результатом моей работы является веб-сайт с функционалом учета и контроля товаров на складе. Этот сайт значительно упростит процессы управления материалами и сократит время, затрачиваемое на заказ и учет товаров. Некоторый персонал компании уже ознакомлен с системой, и готов приступать к её использованию после подготовки остальных работников. Сайт сделан таким образом, что при добавлении новой продукции или при расширении склада, возможно быстрое и удобное обновление под новые реалии.</a:t>
             </a:r>
           </a:p>
           <a:p>
@@ -5190,7 +5190,7 @@
               <a:buNone/>
             </a:pPr>
             <a:r>
-              <a:rPr lang="ru-RU" dirty="0">
+              <a:rPr lang="ru-RU" sz="2400" dirty="0">
                 <a:latin typeface="Times New Roman" panose="02020603050405020304" pitchFamily="18" charset="0"/>
                 <a:cs typeface="Times New Roman" panose="02020603050405020304" pitchFamily="18" charset="0"/>
               </a:rPr>
